--- a/images.pptx
+++ b/images.pptx
@@ -7,7 +7,7 @@
   <p:sldIdLst>
     <p:sldId id="257" r:id="rId2"/>
     <p:sldId id="258" r:id="rId3"/>
-    <p:sldId id="259" r:id="rId4"/>
+    <p:sldId id="260" r:id="rId4"/>
   </p:sldIdLst>
   <p:sldSz cx="12192000" cy="6858000"/>
   <p:notesSz cx="6858000" cy="9144000"/>
@@ -5118,22 +5118,1266 @@
           <a:chExt cx="0" cy="0"/>
         </a:xfrm>
       </p:grpSpPr>
+      <p:sp>
+        <p:nvSpPr>
+          <p:cNvPr id="18" name="Rectangle 17"/>
+          <p:cNvSpPr/>
+          <p:nvPr/>
+        </p:nvSpPr>
+        <p:spPr>
+          <a:xfrm>
+            <a:off x="440269" y="2472267"/>
+            <a:ext cx="2133599" cy="1523999"/>
+          </a:xfrm>
+          <a:prstGeom prst="rect">
+            <a:avLst/>
+          </a:prstGeom>
+          <a:ln w="34925">
+            <a:solidFill>
+              <a:srgbClr val="00B050"/>
+            </a:solidFill>
+          </a:ln>
+        </p:spPr>
+        <p:style>
+          <a:lnRef idx="2">
+            <a:schemeClr val="accent6"/>
+          </a:lnRef>
+          <a:fillRef idx="1">
+            <a:schemeClr val="lt1"/>
+          </a:fillRef>
+          <a:effectRef idx="0">
+            <a:schemeClr val="accent6"/>
+          </a:effectRef>
+          <a:fontRef idx="minor">
+            <a:schemeClr val="dk1"/>
+          </a:fontRef>
+        </p:style>
+        <p:txBody>
+          <a:bodyPr rtlCol="0" anchor="ctr"/>
+          <a:lstStyle/>
+          <a:p>
+            <a:pPr algn="ctr"/>
+            <a:endParaRPr lang="en-US"/>
+          </a:p>
+        </p:txBody>
+      </p:sp>
+      <p:sp>
+        <p:nvSpPr>
+          <p:cNvPr id="14" name="Oval 13"/>
+          <p:cNvSpPr/>
+          <p:nvPr/>
+        </p:nvSpPr>
+        <p:spPr>
+          <a:xfrm>
+            <a:off x="1879602" y="2353739"/>
+            <a:ext cx="228600" cy="228600"/>
+          </a:xfrm>
+          <a:prstGeom prst="ellipse">
+            <a:avLst/>
+          </a:prstGeom>
+          <a:solidFill>
+            <a:srgbClr val="00B0F0"/>
+          </a:solidFill>
+          <a:ln>
+            <a:solidFill>
+              <a:srgbClr val="00B0F0"/>
+            </a:solidFill>
+          </a:ln>
+        </p:spPr>
+        <p:style>
+          <a:lnRef idx="2">
+            <a:schemeClr val="accent1">
+              <a:shade val="50000"/>
+            </a:schemeClr>
+          </a:lnRef>
+          <a:fillRef idx="1">
+            <a:schemeClr val="accent1"/>
+          </a:fillRef>
+          <a:effectRef idx="0">
+            <a:schemeClr val="accent1"/>
+          </a:effectRef>
+          <a:fontRef idx="minor">
+            <a:schemeClr val="lt1"/>
+          </a:fontRef>
+        </p:style>
+        <p:txBody>
+          <a:bodyPr rtlCol="0" anchor="ctr"/>
+          <a:lstStyle/>
+          <a:p>
+            <a:pPr algn="ctr"/>
+            <a:endParaRPr lang="en-US">
+              <a:solidFill>
+                <a:srgbClr val="FF0000"/>
+              </a:solidFill>
+            </a:endParaRPr>
+          </a:p>
+        </p:txBody>
+      </p:sp>
+      <p:sp>
+        <p:nvSpPr>
+          <p:cNvPr id="15" name="Oval 14"/>
+          <p:cNvSpPr/>
+          <p:nvPr/>
+        </p:nvSpPr>
+        <p:spPr>
+          <a:xfrm>
+            <a:off x="325969" y="3818460"/>
+            <a:ext cx="228600" cy="228600"/>
+          </a:xfrm>
+          <a:prstGeom prst="ellipse">
+            <a:avLst/>
+          </a:prstGeom>
+          <a:solidFill>
+            <a:srgbClr val="00B0F0"/>
+          </a:solidFill>
+          <a:ln>
+            <a:solidFill>
+              <a:srgbClr val="00B0F0"/>
+            </a:solidFill>
+          </a:ln>
+        </p:spPr>
+        <p:style>
+          <a:lnRef idx="2">
+            <a:schemeClr val="accent1">
+              <a:shade val="50000"/>
+            </a:schemeClr>
+          </a:lnRef>
+          <a:fillRef idx="1">
+            <a:schemeClr val="accent1"/>
+          </a:fillRef>
+          <a:effectRef idx="0">
+            <a:schemeClr val="accent1"/>
+          </a:effectRef>
+          <a:fontRef idx="minor">
+            <a:schemeClr val="lt1"/>
+          </a:fontRef>
+        </p:style>
+        <p:txBody>
+          <a:bodyPr rtlCol="0" anchor="ctr"/>
+          <a:lstStyle/>
+          <a:p>
+            <a:pPr algn="ctr"/>
+            <a:endParaRPr lang="en-US">
+              <a:solidFill>
+                <a:srgbClr val="FF0000"/>
+              </a:solidFill>
+            </a:endParaRPr>
+          </a:p>
+        </p:txBody>
+      </p:sp>
+      <p:sp>
+        <p:nvSpPr>
+          <p:cNvPr id="16" name="Oval 15"/>
+          <p:cNvSpPr/>
+          <p:nvPr/>
+        </p:nvSpPr>
+        <p:spPr>
+          <a:xfrm>
+            <a:off x="2459568" y="3217335"/>
+            <a:ext cx="228600" cy="228600"/>
+          </a:xfrm>
+          <a:prstGeom prst="ellipse">
+            <a:avLst/>
+          </a:prstGeom>
+          <a:solidFill>
+            <a:srgbClr val="00B0F0"/>
+          </a:solidFill>
+          <a:ln>
+            <a:solidFill>
+              <a:srgbClr val="00B0F0"/>
+            </a:solidFill>
+          </a:ln>
+        </p:spPr>
+        <p:style>
+          <a:lnRef idx="2">
+            <a:schemeClr val="accent1">
+              <a:shade val="50000"/>
+            </a:schemeClr>
+          </a:lnRef>
+          <a:fillRef idx="1">
+            <a:schemeClr val="accent1"/>
+          </a:fillRef>
+          <a:effectRef idx="0">
+            <a:schemeClr val="accent1"/>
+          </a:effectRef>
+          <a:fontRef idx="minor">
+            <a:schemeClr val="lt1"/>
+          </a:fontRef>
+        </p:style>
+        <p:txBody>
+          <a:bodyPr rtlCol="0" anchor="ctr"/>
+          <a:lstStyle/>
+          <a:p>
+            <a:pPr algn="ctr"/>
+            <a:endParaRPr lang="en-US">
+              <a:solidFill>
+                <a:srgbClr val="FF0000"/>
+              </a:solidFill>
+            </a:endParaRPr>
+          </a:p>
+        </p:txBody>
+      </p:sp>
+      <p:sp>
+        <p:nvSpPr>
+          <p:cNvPr id="17" name="Oval 16"/>
+          <p:cNvSpPr/>
+          <p:nvPr/>
+        </p:nvSpPr>
+        <p:spPr>
+          <a:xfrm>
+            <a:off x="884769" y="3005666"/>
+            <a:ext cx="228600" cy="228600"/>
+          </a:xfrm>
+          <a:prstGeom prst="ellipse">
+            <a:avLst/>
+          </a:prstGeom>
+          <a:solidFill>
+            <a:srgbClr val="00B0F0"/>
+          </a:solidFill>
+          <a:ln>
+            <a:solidFill>
+              <a:srgbClr val="00B0F0"/>
+            </a:solidFill>
+          </a:ln>
+        </p:spPr>
+        <p:style>
+          <a:lnRef idx="2">
+            <a:schemeClr val="accent1">
+              <a:shade val="50000"/>
+            </a:schemeClr>
+          </a:lnRef>
+          <a:fillRef idx="1">
+            <a:schemeClr val="accent1"/>
+          </a:fillRef>
+          <a:effectRef idx="0">
+            <a:schemeClr val="accent1"/>
+          </a:effectRef>
+          <a:fontRef idx="minor">
+            <a:schemeClr val="lt1"/>
+          </a:fontRef>
+        </p:style>
+        <p:txBody>
+          <a:bodyPr rtlCol="0" anchor="ctr"/>
+          <a:lstStyle/>
+          <a:p>
+            <a:pPr algn="ctr"/>
+            <a:endParaRPr lang="en-US">
+              <a:solidFill>
+                <a:srgbClr val="FF0000"/>
+              </a:solidFill>
+            </a:endParaRPr>
+          </a:p>
+        </p:txBody>
+      </p:sp>
+      <p:sp>
+        <p:nvSpPr>
+          <p:cNvPr id="19" name="Oval 18"/>
+          <p:cNvSpPr/>
+          <p:nvPr/>
+        </p:nvSpPr>
+        <p:spPr>
+          <a:xfrm>
+            <a:off x="2260601" y="3606800"/>
+            <a:ext cx="228600" cy="228600"/>
+          </a:xfrm>
+          <a:prstGeom prst="ellipse">
+            <a:avLst/>
+          </a:prstGeom>
+          <a:solidFill>
+            <a:srgbClr val="00B0F0"/>
+          </a:solidFill>
+          <a:ln>
+            <a:solidFill>
+              <a:srgbClr val="00B0F0"/>
+            </a:solidFill>
+          </a:ln>
+        </p:spPr>
+        <p:style>
+          <a:lnRef idx="2">
+            <a:schemeClr val="accent1">
+              <a:shade val="50000"/>
+            </a:schemeClr>
+          </a:lnRef>
+          <a:fillRef idx="1">
+            <a:schemeClr val="accent1"/>
+          </a:fillRef>
+          <a:effectRef idx="0">
+            <a:schemeClr val="accent1"/>
+          </a:effectRef>
+          <a:fontRef idx="minor">
+            <a:schemeClr val="lt1"/>
+          </a:fontRef>
+        </p:style>
+        <p:txBody>
+          <a:bodyPr rtlCol="0" anchor="ctr"/>
+          <a:lstStyle/>
+          <a:p>
+            <a:pPr algn="ctr"/>
+            <a:endParaRPr lang="en-US">
+              <a:solidFill>
+                <a:srgbClr val="FF0000"/>
+              </a:solidFill>
+            </a:endParaRPr>
+          </a:p>
+        </p:txBody>
+      </p:sp>
+      <p:sp>
+        <p:nvSpPr>
+          <p:cNvPr id="29" name="TextBox 28"/>
+          <p:cNvSpPr txBox="1"/>
+          <p:nvPr/>
+        </p:nvSpPr>
+        <p:spPr>
+          <a:xfrm>
+            <a:off x="2455335" y="2150535"/>
+            <a:ext cx="589777" cy="369332"/>
+          </a:xfrm>
+          <a:prstGeom prst="rect">
+            <a:avLst/>
+          </a:prstGeom>
+          <a:noFill/>
+        </p:spPr>
+        <p:txBody>
+          <a:bodyPr wrap="none" rtlCol="0">
+            <a:spAutoFit/>
+          </a:bodyPr>
+          <a:lstStyle/>
+          <a:p>
+            <a:r>
+              <a:rPr lang="en-US" b="1" dirty="0" smtClean="0">
+                <a:solidFill>
+                  <a:srgbClr val="FF0000"/>
+                </a:solidFill>
+              </a:rPr>
+              <a:t>max</a:t>
+            </a:r>
+            <a:endParaRPr lang="en-US" b="1" dirty="0">
+              <a:solidFill>
+                <a:srgbClr val="FF0000"/>
+              </a:solidFill>
+            </a:endParaRPr>
+          </a:p>
+        </p:txBody>
+      </p:sp>
+      <p:sp>
+        <p:nvSpPr>
+          <p:cNvPr id="31" name="TextBox 30"/>
+          <p:cNvSpPr txBox="1"/>
+          <p:nvPr/>
+        </p:nvSpPr>
+        <p:spPr>
+          <a:xfrm>
+            <a:off x="186272" y="3996269"/>
+            <a:ext cx="551754" cy="369332"/>
+          </a:xfrm>
+          <a:prstGeom prst="rect">
+            <a:avLst/>
+          </a:prstGeom>
+          <a:noFill/>
+        </p:spPr>
+        <p:txBody>
+          <a:bodyPr wrap="none" rtlCol="0">
+            <a:spAutoFit/>
+          </a:bodyPr>
+          <a:lstStyle/>
+          <a:p>
+            <a:r>
+              <a:rPr lang="en-US" b="1" dirty="0" smtClean="0">
+                <a:solidFill>
+                  <a:srgbClr val="FF0000"/>
+                </a:solidFill>
+              </a:rPr>
+              <a:t>min</a:t>
+            </a:r>
+            <a:endParaRPr lang="en-US" b="1" dirty="0">
+              <a:solidFill>
+                <a:srgbClr val="FF0000"/>
+              </a:solidFill>
+            </a:endParaRPr>
+          </a:p>
+        </p:txBody>
+      </p:sp>
+      <p:sp>
+        <p:nvSpPr>
+          <p:cNvPr id="28" name="Oval 27"/>
+          <p:cNvSpPr/>
+          <p:nvPr/>
+        </p:nvSpPr>
+        <p:spPr>
+          <a:xfrm>
+            <a:off x="1676402" y="2942165"/>
+            <a:ext cx="228600" cy="228600"/>
+          </a:xfrm>
+          <a:prstGeom prst="ellipse">
+            <a:avLst/>
+          </a:prstGeom>
+          <a:solidFill>
+            <a:srgbClr val="FF0000"/>
+          </a:solidFill>
+          <a:ln>
+            <a:solidFill>
+              <a:srgbClr val="FF0000"/>
+            </a:solidFill>
+          </a:ln>
+        </p:spPr>
+        <p:style>
+          <a:lnRef idx="2">
+            <a:schemeClr val="accent1">
+              <a:shade val="50000"/>
+            </a:schemeClr>
+          </a:lnRef>
+          <a:fillRef idx="1">
+            <a:schemeClr val="accent1"/>
+          </a:fillRef>
+          <a:effectRef idx="0">
+            <a:schemeClr val="accent1"/>
+          </a:effectRef>
+          <a:fontRef idx="minor">
+            <a:schemeClr val="lt1"/>
+          </a:fontRef>
+        </p:style>
+        <p:txBody>
+          <a:bodyPr rtlCol="0" anchor="ctr"/>
+          <a:lstStyle/>
+          <a:p>
+            <a:pPr algn="ctr"/>
+            <a:endParaRPr lang="en-US">
+              <a:solidFill>
+                <a:srgbClr val="FF0000"/>
+              </a:solidFill>
+            </a:endParaRPr>
+          </a:p>
+        </p:txBody>
+      </p:sp>
+      <p:sp>
+        <p:nvSpPr>
+          <p:cNvPr id="35" name="Rectangle 34"/>
+          <p:cNvSpPr/>
+          <p:nvPr/>
+        </p:nvSpPr>
+        <p:spPr>
+          <a:xfrm>
+            <a:off x="4538135" y="2421468"/>
+            <a:ext cx="2133599" cy="1523999"/>
+          </a:xfrm>
+          <a:prstGeom prst="rect">
+            <a:avLst/>
+          </a:prstGeom>
+          <a:ln w="34925">
+            <a:solidFill>
+              <a:srgbClr val="00B050"/>
+            </a:solidFill>
+          </a:ln>
+        </p:spPr>
+        <p:style>
+          <a:lnRef idx="2">
+            <a:schemeClr val="accent6"/>
+          </a:lnRef>
+          <a:fillRef idx="1">
+            <a:schemeClr val="lt1"/>
+          </a:fillRef>
+          <a:effectRef idx="0">
+            <a:schemeClr val="accent6"/>
+          </a:effectRef>
+          <a:fontRef idx="minor">
+            <a:schemeClr val="dk1"/>
+          </a:fontRef>
+        </p:style>
+        <p:txBody>
+          <a:bodyPr rtlCol="0" anchor="ctr"/>
+          <a:lstStyle/>
+          <a:p>
+            <a:pPr algn="ctr"/>
+            <a:endParaRPr lang="en-US"/>
+          </a:p>
+        </p:txBody>
+      </p:sp>
+      <p:sp>
+        <p:nvSpPr>
+          <p:cNvPr id="36" name="Oval 35"/>
+          <p:cNvSpPr/>
+          <p:nvPr/>
+        </p:nvSpPr>
+        <p:spPr>
+          <a:xfrm>
+            <a:off x="5977468" y="2302940"/>
+            <a:ext cx="228600" cy="228600"/>
+          </a:xfrm>
+          <a:prstGeom prst="ellipse">
+            <a:avLst/>
+          </a:prstGeom>
+          <a:solidFill>
+            <a:srgbClr val="00B0F0"/>
+          </a:solidFill>
+          <a:ln>
+            <a:solidFill>
+              <a:srgbClr val="00B0F0"/>
+            </a:solidFill>
+          </a:ln>
+        </p:spPr>
+        <p:style>
+          <a:lnRef idx="2">
+            <a:schemeClr val="accent1">
+              <a:shade val="50000"/>
+            </a:schemeClr>
+          </a:lnRef>
+          <a:fillRef idx="1">
+            <a:schemeClr val="accent1"/>
+          </a:fillRef>
+          <a:effectRef idx="0">
+            <a:schemeClr val="accent1"/>
+          </a:effectRef>
+          <a:fontRef idx="minor">
+            <a:schemeClr val="lt1"/>
+          </a:fontRef>
+        </p:style>
+        <p:txBody>
+          <a:bodyPr rtlCol="0" anchor="ctr"/>
+          <a:lstStyle/>
+          <a:p>
+            <a:pPr algn="ctr"/>
+            <a:endParaRPr lang="en-US">
+              <a:solidFill>
+                <a:srgbClr val="FF0000"/>
+              </a:solidFill>
+            </a:endParaRPr>
+          </a:p>
+        </p:txBody>
+      </p:sp>
+      <p:sp>
+        <p:nvSpPr>
+          <p:cNvPr id="37" name="Oval 36"/>
+          <p:cNvSpPr/>
+          <p:nvPr/>
+        </p:nvSpPr>
+        <p:spPr>
+          <a:xfrm>
+            <a:off x="4423835" y="3767661"/>
+            <a:ext cx="228600" cy="228600"/>
+          </a:xfrm>
+          <a:prstGeom prst="ellipse">
+            <a:avLst/>
+          </a:prstGeom>
+          <a:solidFill>
+            <a:srgbClr val="00B0F0"/>
+          </a:solidFill>
+          <a:ln>
+            <a:solidFill>
+              <a:srgbClr val="00B0F0"/>
+            </a:solidFill>
+          </a:ln>
+        </p:spPr>
+        <p:style>
+          <a:lnRef idx="2">
+            <a:schemeClr val="accent1">
+              <a:shade val="50000"/>
+            </a:schemeClr>
+          </a:lnRef>
+          <a:fillRef idx="1">
+            <a:schemeClr val="accent1"/>
+          </a:fillRef>
+          <a:effectRef idx="0">
+            <a:schemeClr val="accent1"/>
+          </a:effectRef>
+          <a:fontRef idx="minor">
+            <a:schemeClr val="lt1"/>
+          </a:fontRef>
+        </p:style>
+        <p:txBody>
+          <a:bodyPr rtlCol="0" anchor="ctr"/>
+          <a:lstStyle/>
+          <a:p>
+            <a:pPr algn="ctr"/>
+            <a:endParaRPr lang="en-US">
+              <a:solidFill>
+                <a:srgbClr val="FF0000"/>
+              </a:solidFill>
+            </a:endParaRPr>
+          </a:p>
+        </p:txBody>
+      </p:sp>
+      <p:sp>
+        <p:nvSpPr>
+          <p:cNvPr id="38" name="Oval 37"/>
+          <p:cNvSpPr/>
+          <p:nvPr/>
+        </p:nvSpPr>
+        <p:spPr>
+          <a:xfrm>
+            <a:off x="6557434" y="3166536"/>
+            <a:ext cx="228600" cy="228600"/>
+          </a:xfrm>
+          <a:prstGeom prst="ellipse">
+            <a:avLst/>
+          </a:prstGeom>
+          <a:solidFill>
+            <a:srgbClr val="00B0F0"/>
+          </a:solidFill>
+          <a:ln>
+            <a:solidFill>
+              <a:srgbClr val="00B0F0"/>
+            </a:solidFill>
+          </a:ln>
+        </p:spPr>
+        <p:style>
+          <a:lnRef idx="2">
+            <a:schemeClr val="accent1">
+              <a:shade val="50000"/>
+            </a:schemeClr>
+          </a:lnRef>
+          <a:fillRef idx="1">
+            <a:schemeClr val="accent1"/>
+          </a:fillRef>
+          <a:effectRef idx="0">
+            <a:schemeClr val="accent1"/>
+          </a:effectRef>
+          <a:fontRef idx="minor">
+            <a:schemeClr val="lt1"/>
+          </a:fontRef>
+        </p:style>
+        <p:txBody>
+          <a:bodyPr rtlCol="0" anchor="ctr"/>
+          <a:lstStyle/>
+          <a:p>
+            <a:pPr algn="ctr"/>
+            <a:endParaRPr lang="en-US">
+              <a:solidFill>
+                <a:srgbClr val="FF0000"/>
+              </a:solidFill>
+            </a:endParaRPr>
+          </a:p>
+        </p:txBody>
+      </p:sp>
+      <p:sp>
+        <p:nvSpPr>
+          <p:cNvPr id="39" name="Oval 38"/>
+          <p:cNvSpPr/>
+          <p:nvPr/>
+        </p:nvSpPr>
+        <p:spPr>
+          <a:xfrm>
+            <a:off x="4982635" y="2954867"/>
+            <a:ext cx="228600" cy="228600"/>
+          </a:xfrm>
+          <a:prstGeom prst="ellipse">
+            <a:avLst/>
+          </a:prstGeom>
+          <a:solidFill>
+            <a:srgbClr val="00B0F0"/>
+          </a:solidFill>
+          <a:ln>
+            <a:solidFill>
+              <a:srgbClr val="00B0F0"/>
+            </a:solidFill>
+          </a:ln>
+        </p:spPr>
+        <p:style>
+          <a:lnRef idx="2">
+            <a:schemeClr val="accent1">
+              <a:shade val="50000"/>
+            </a:schemeClr>
+          </a:lnRef>
+          <a:fillRef idx="1">
+            <a:schemeClr val="accent1"/>
+          </a:fillRef>
+          <a:effectRef idx="0">
+            <a:schemeClr val="accent1"/>
+          </a:effectRef>
+          <a:fontRef idx="minor">
+            <a:schemeClr val="lt1"/>
+          </a:fontRef>
+        </p:style>
+        <p:txBody>
+          <a:bodyPr rtlCol="0" anchor="ctr"/>
+          <a:lstStyle/>
+          <a:p>
+            <a:pPr algn="ctr"/>
+            <a:endParaRPr lang="en-US">
+              <a:solidFill>
+                <a:srgbClr val="FF0000"/>
+              </a:solidFill>
+            </a:endParaRPr>
+          </a:p>
+        </p:txBody>
+      </p:sp>
+      <p:sp>
+        <p:nvSpPr>
+          <p:cNvPr id="40" name="Oval 39"/>
+          <p:cNvSpPr/>
+          <p:nvPr/>
+        </p:nvSpPr>
+        <p:spPr>
+          <a:xfrm>
+            <a:off x="6358467" y="3556001"/>
+            <a:ext cx="228600" cy="228600"/>
+          </a:xfrm>
+          <a:prstGeom prst="ellipse">
+            <a:avLst/>
+          </a:prstGeom>
+          <a:solidFill>
+            <a:srgbClr val="00B0F0"/>
+          </a:solidFill>
+          <a:ln>
+            <a:solidFill>
+              <a:srgbClr val="00B0F0"/>
+            </a:solidFill>
+          </a:ln>
+        </p:spPr>
+        <p:style>
+          <a:lnRef idx="2">
+            <a:schemeClr val="accent1">
+              <a:shade val="50000"/>
+            </a:schemeClr>
+          </a:lnRef>
+          <a:fillRef idx="1">
+            <a:schemeClr val="accent1"/>
+          </a:fillRef>
+          <a:effectRef idx="0">
+            <a:schemeClr val="accent1"/>
+          </a:effectRef>
+          <a:fontRef idx="minor">
+            <a:schemeClr val="lt1"/>
+          </a:fontRef>
+        </p:style>
+        <p:txBody>
+          <a:bodyPr rtlCol="0" anchor="ctr"/>
+          <a:lstStyle/>
+          <a:p>
+            <a:pPr algn="ctr"/>
+            <a:endParaRPr lang="en-US">
+              <a:solidFill>
+                <a:srgbClr val="FF0000"/>
+              </a:solidFill>
+            </a:endParaRPr>
+          </a:p>
+        </p:txBody>
+      </p:sp>
+      <p:sp>
+        <p:nvSpPr>
+          <p:cNvPr id="41" name="TextBox 40"/>
+          <p:cNvSpPr txBox="1"/>
+          <p:nvPr/>
+        </p:nvSpPr>
+        <p:spPr>
+          <a:xfrm>
+            <a:off x="6553201" y="2099736"/>
+            <a:ext cx="589777" cy="369332"/>
+          </a:xfrm>
+          <a:prstGeom prst="rect">
+            <a:avLst/>
+          </a:prstGeom>
+          <a:noFill/>
+        </p:spPr>
+        <p:txBody>
+          <a:bodyPr wrap="none" rtlCol="0">
+            <a:spAutoFit/>
+          </a:bodyPr>
+          <a:lstStyle/>
+          <a:p>
+            <a:r>
+              <a:rPr lang="en-US" b="1" dirty="0" smtClean="0">
+                <a:solidFill>
+                  <a:srgbClr val="FF0000"/>
+                </a:solidFill>
+              </a:rPr>
+              <a:t>max</a:t>
+            </a:r>
+            <a:endParaRPr lang="en-US" b="1" dirty="0">
+              <a:solidFill>
+                <a:srgbClr val="FF0000"/>
+              </a:solidFill>
+            </a:endParaRPr>
+          </a:p>
+        </p:txBody>
+      </p:sp>
+      <p:sp>
+        <p:nvSpPr>
+          <p:cNvPr id="42" name="TextBox 41"/>
+          <p:cNvSpPr txBox="1"/>
+          <p:nvPr/>
+        </p:nvSpPr>
+        <p:spPr>
+          <a:xfrm>
+            <a:off x="4284138" y="3945470"/>
+            <a:ext cx="551754" cy="369332"/>
+          </a:xfrm>
+          <a:prstGeom prst="rect">
+            <a:avLst/>
+          </a:prstGeom>
+          <a:noFill/>
+        </p:spPr>
+        <p:txBody>
+          <a:bodyPr wrap="none" rtlCol="0">
+            <a:spAutoFit/>
+          </a:bodyPr>
+          <a:lstStyle/>
+          <a:p>
+            <a:r>
+              <a:rPr lang="en-US" b="1" dirty="0" smtClean="0">
+                <a:solidFill>
+                  <a:srgbClr val="FF0000"/>
+                </a:solidFill>
+              </a:rPr>
+              <a:t>min</a:t>
+            </a:r>
+            <a:endParaRPr lang="en-US" b="1" dirty="0">
+              <a:solidFill>
+                <a:srgbClr val="FF0000"/>
+              </a:solidFill>
+            </a:endParaRPr>
+          </a:p>
+        </p:txBody>
+      </p:sp>
+      <p:sp>
+        <p:nvSpPr>
+          <p:cNvPr id="43" name="Oval 42"/>
+          <p:cNvSpPr/>
+          <p:nvPr/>
+        </p:nvSpPr>
+        <p:spPr>
+          <a:xfrm>
+            <a:off x="3637776" y="3073397"/>
+            <a:ext cx="228600" cy="228600"/>
+          </a:xfrm>
+          <a:prstGeom prst="ellipse">
+            <a:avLst/>
+          </a:prstGeom>
+          <a:solidFill>
+            <a:srgbClr val="FF0000"/>
+          </a:solidFill>
+          <a:ln>
+            <a:solidFill>
+              <a:srgbClr val="FF0000"/>
+            </a:solidFill>
+          </a:ln>
+        </p:spPr>
+        <p:style>
+          <a:lnRef idx="2">
+            <a:schemeClr val="accent1">
+              <a:shade val="50000"/>
+            </a:schemeClr>
+          </a:lnRef>
+          <a:fillRef idx="1">
+            <a:schemeClr val="accent1"/>
+          </a:fillRef>
+          <a:effectRef idx="0">
+            <a:schemeClr val="accent1"/>
+          </a:effectRef>
+          <a:fontRef idx="minor">
+            <a:schemeClr val="lt1"/>
+          </a:fontRef>
+        </p:style>
+        <p:txBody>
+          <a:bodyPr rtlCol="0" anchor="ctr"/>
+          <a:lstStyle/>
+          <a:p>
+            <a:pPr algn="ctr"/>
+            <a:endParaRPr lang="en-US">
+              <a:solidFill>
+                <a:srgbClr val="FF0000"/>
+              </a:solidFill>
+            </a:endParaRPr>
+          </a:p>
+        </p:txBody>
+      </p:sp>
+      <p:sp>
+        <p:nvSpPr>
+          <p:cNvPr id="44" name="Rectangle 43"/>
+          <p:cNvSpPr/>
+          <p:nvPr/>
+        </p:nvSpPr>
+        <p:spPr>
+          <a:xfrm>
+            <a:off x="8063152" y="2421467"/>
+            <a:ext cx="2133599" cy="1523999"/>
+          </a:xfrm>
+          <a:prstGeom prst="rect">
+            <a:avLst/>
+          </a:prstGeom>
+          <a:ln w="34925">
+            <a:solidFill>
+              <a:srgbClr val="00B050"/>
+            </a:solidFill>
+          </a:ln>
+        </p:spPr>
+        <p:style>
+          <a:lnRef idx="2">
+            <a:schemeClr val="accent6"/>
+          </a:lnRef>
+          <a:fillRef idx="1">
+            <a:schemeClr val="lt1"/>
+          </a:fillRef>
+          <a:effectRef idx="0">
+            <a:schemeClr val="accent6"/>
+          </a:effectRef>
+          <a:fontRef idx="minor">
+            <a:schemeClr val="dk1"/>
+          </a:fontRef>
+        </p:style>
+        <p:txBody>
+          <a:bodyPr rtlCol="0" anchor="ctr"/>
+          <a:lstStyle/>
+          <a:p>
+            <a:pPr algn="ctr"/>
+            <a:endParaRPr lang="en-US"/>
+          </a:p>
+        </p:txBody>
+      </p:sp>
+      <p:sp>
+        <p:nvSpPr>
+          <p:cNvPr id="45" name="Oval 44"/>
+          <p:cNvSpPr/>
+          <p:nvPr/>
+        </p:nvSpPr>
+        <p:spPr>
+          <a:xfrm>
+            <a:off x="9502485" y="2302939"/>
+            <a:ext cx="228600" cy="228600"/>
+          </a:xfrm>
+          <a:prstGeom prst="ellipse">
+            <a:avLst/>
+          </a:prstGeom>
+          <a:solidFill>
+            <a:srgbClr val="00B0F0"/>
+          </a:solidFill>
+          <a:ln>
+            <a:solidFill>
+              <a:srgbClr val="00B0F0"/>
+            </a:solidFill>
+          </a:ln>
+        </p:spPr>
+        <p:style>
+          <a:lnRef idx="2">
+            <a:schemeClr val="accent1">
+              <a:shade val="50000"/>
+            </a:schemeClr>
+          </a:lnRef>
+          <a:fillRef idx="1">
+            <a:schemeClr val="accent1"/>
+          </a:fillRef>
+          <a:effectRef idx="0">
+            <a:schemeClr val="accent1"/>
+          </a:effectRef>
+          <a:fontRef idx="minor">
+            <a:schemeClr val="lt1"/>
+          </a:fontRef>
+        </p:style>
+        <p:txBody>
+          <a:bodyPr rtlCol="0" anchor="ctr"/>
+          <a:lstStyle/>
+          <a:p>
+            <a:pPr algn="ctr"/>
+            <a:endParaRPr lang="en-US">
+              <a:solidFill>
+                <a:srgbClr val="FF0000"/>
+              </a:solidFill>
+            </a:endParaRPr>
+          </a:p>
+        </p:txBody>
+      </p:sp>
+      <p:sp>
+        <p:nvSpPr>
+          <p:cNvPr id="46" name="Oval 45"/>
+          <p:cNvSpPr/>
+          <p:nvPr/>
+        </p:nvSpPr>
+        <p:spPr>
+          <a:xfrm>
+            <a:off x="7948852" y="3767660"/>
+            <a:ext cx="228600" cy="228600"/>
+          </a:xfrm>
+          <a:prstGeom prst="ellipse">
+            <a:avLst/>
+          </a:prstGeom>
+          <a:solidFill>
+            <a:srgbClr val="00B0F0"/>
+          </a:solidFill>
+          <a:ln>
+            <a:solidFill>
+              <a:srgbClr val="00B0F0"/>
+            </a:solidFill>
+          </a:ln>
+        </p:spPr>
+        <p:style>
+          <a:lnRef idx="2">
+            <a:schemeClr val="accent1">
+              <a:shade val="50000"/>
+            </a:schemeClr>
+          </a:lnRef>
+          <a:fillRef idx="1">
+            <a:schemeClr val="accent1"/>
+          </a:fillRef>
+          <a:effectRef idx="0">
+            <a:schemeClr val="accent1"/>
+          </a:effectRef>
+          <a:fontRef idx="minor">
+            <a:schemeClr val="lt1"/>
+          </a:fontRef>
+        </p:style>
+        <p:txBody>
+          <a:bodyPr rtlCol="0" anchor="ctr"/>
+          <a:lstStyle/>
+          <a:p>
+            <a:pPr algn="ctr"/>
+            <a:endParaRPr lang="en-US">
+              <a:solidFill>
+                <a:srgbClr val="FF0000"/>
+              </a:solidFill>
+            </a:endParaRPr>
+          </a:p>
+        </p:txBody>
+      </p:sp>
+      <p:sp>
+        <p:nvSpPr>
+          <p:cNvPr id="47" name="Oval 46"/>
+          <p:cNvSpPr/>
+          <p:nvPr/>
+        </p:nvSpPr>
+        <p:spPr>
+          <a:xfrm>
+            <a:off x="10082451" y="3166535"/>
+            <a:ext cx="228600" cy="228600"/>
+          </a:xfrm>
+          <a:prstGeom prst="ellipse">
+            <a:avLst/>
+          </a:prstGeom>
+          <a:solidFill>
+            <a:srgbClr val="00B0F0"/>
+          </a:solidFill>
+          <a:ln>
+            <a:solidFill>
+              <a:srgbClr val="00B0F0"/>
+            </a:solidFill>
+          </a:ln>
+        </p:spPr>
+        <p:style>
+          <a:lnRef idx="2">
+            <a:schemeClr val="accent1">
+              <a:shade val="50000"/>
+            </a:schemeClr>
+          </a:lnRef>
+          <a:fillRef idx="1">
+            <a:schemeClr val="accent1"/>
+          </a:fillRef>
+          <a:effectRef idx="0">
+            <a:schemeClr val="accent1"/>
+          </a:effectRef>
+          <a:fontRef idx="minor">
+            <a:schemeClr val="lt1"/>
+          </a:fontRef>
+        </p:style>
+        <p:txBody>
+          <a:bodyPr rtlCol="0" anchor="ctr"/>
+          <a:lstStyle/>
+          <a:p>
+            <a:pPr algn="ctr"/>
+            <a:endParaRPr lang="en-US">
+              <a:solidFill>
+                <a:srgbClr val="FF0000"/>
+              </a:solidFill>
+            </a:endParaRPr>
+          </a:p>
+        </p:txBody>
+      </p:sp>
+      <p:sp>
+        <p:nvSpPr>
+          <p:cNvPr id="48" name="Oval 47"/>
+          <p:cNvSpPr/>
+          <p:nvPr/>
+        </p:nvSpPr>
+        <p:spPr>
+          <a:xfrm>
+            <a:off x="8507652" y="2954866"/>
+            <a:ext cx="228600" cy="228600"/>
+          </a:xfrm>
+          <a:prstGeom prst="ellipse">
+            <a:avLst/>
+          </a:prstGeom>
+          <a:solidFill>
+            <a:srgbClr val="00B0F0"/>
+          </a:solidFill>
+          <a:ln>
+            <a:solidFill>
+              <a:srgbClr val="00B0F0"/>
+            </a:solidFill>
+          </a:ln>
+        </p:spPr>
+        <p:style>
+          <a:lnRef idx="2">
+            <a:schemeClr val="accent1">
+              <a:shade val="50000"/>
+            </a:schemeClr>
+          </a:lnRef>
+          <a:fillRef idx="1">
+            <a:schemeClr val="accent1"/>
+          </a:fillRef>
+          <a:effectRef idx="0">
+            <a:schemeClr val="accent1"/>
+          </a:effectRef>
+          <a:fontRef idx="minor">
+            <a:schemeClr val="lt1"/>
+          </a:fontRef>
+        </p:style>
+        <p:txBody>
+          <a:bodyPr rtlCol="0" anchor="ctr"/>
+          <a:lstStyle/>
+          <a:p>
+            <a:pPr algn="ctr"/>
+            <a:endParaRPr lang="en-US">
+              <a:solidFill>
+                <a:srgbClr val="FF0000"/>
+              </a:solidFill>
+            </a:endParaRPr>
+          </a:p>
+        </p:txBody>
+      </p:sp>
+      <p:sp>
+        <p:nvSpPr>
+          <p:cNvPr id="49" name="Oval 48"/>
+          <p:cNvSpPr/>
+          <p:nvPr/>
+        </p:nvSpPr>
+        <p:spPr>
+          <a:xfrm>
+            <a:off x="9883484" y="3556000"/>
+            <a:ext cx="228600" cy="228600"/>
+          </a:xfrm>
+          <a:prstGeom prst="ellipse">
+            <a:avLst/>
+          </a:prstGeom>
+          <a:solidFill>
+            <a:srgbClr val="00B0F0"/>
+          </a:solidFill>
+          <a:ln>
+            <a:solidFill>
+              <a:srgbClr val="00B0F0"/>
+            </a:solidFill>
+          </a:ln>
+        </p:spPr>
+        <p:style>
+          <a:lnRef idx="2">
+            <a:schemeClr val="accent1">
+              <a:shade val="50000"/>
+            </a:schemeClr>
+          </a:lnRef>
+          <a:fillRef idx="1">
+            <a:schemeClr val="accent1"/>
+          </a:fillRef>
+          <a:effectRef idx="0">
+            <a:schemeClr val="accent1"/>
+          </a:effectRef>
+          <a:fontRef idx="minor">
+            <a:schemeClr val="lt1"/>
+          </a:fontRef>
+        </p:style>
+        <p:txBody>
+          <a:bodyPr rtlCol="0" anchor="ctr"/>
+          <a:lstStyle/>
+          <a:p>
+            <a:pPr algn="ctr"/>
+            <a:endParaRPr lang="en-US">
+              <a:solidFill>
+                <a:srgbClr val="FF0000"/>
+              </a:solidFill>
+            </a:endParaRPr>
+          </a:p>
+        </p:txBody>
+      </p:sp>
+      <p:sp>
+        <p:nvSpPr>
+          <p:cNvPr id="50" name="TextBox 49"/>
+          <p:cNvSpPr txBox="1"/>
+          <p:nvPr/>
+        </p:nvSpPr>
+        <p:spPr>
+          <a:xfrm>
+            <a:off x="10078218" y="2099735"/>
+            <a:ext cx="589777" cy="369332"/>
+          </a:xfrm>
+          <a:prstGeom prst="rect">
+            <a:avLst/>
+          </a:prstGeom>
+          <a:noFill/>
+        </p:spPr>
+        <p:txBody>
+          <a:bodyPr wrap="none" rtlCol="0">
+            <a:spAutoFit/>
+          </a:bodyPr>
+          <a:lstStyle/>
+          <a:p>
+            <a:r>
+              <a:rPr lang="en-US" b="1" dirty="0" smtClean="0">
+                <a:solidFill>
+                  <a:srgbClr val="FF0000"/>
+                </a:solidFill>
+              </a:rPr>
+              <a:t>max</a:t>
+            </a:r>
+            <a:endParaRPr lang="en-US" b="1" dirty="0">
+              <a:solidFill>
+                <a:srgbClr val="FF0000"/>
+              </a:solidFill>
+            </a:endParaRPr>
+          </a:p>
+        </p:txBody>
+      </p:sp>
+      <p:sp>
+        <p:nvSpPr>
+          <p:cNvPr id="51" name="TextBox 50"/>
+          <p:cNvSpPr txBox="1"/>
+          <p:nvPr/>
+        </p:nvSpPr>
+        <p:spPr>
+          <a:xfrm>
+            <a:off x="7809155" y="3945469"/>
+            <a:ext cx="551754" cy="369332"/>
+          </a:xfrm>
+          <a:prstGeom prst="rect">
+            <a:avLst/>
+          </a:prstGeom>
+          <a:noFill/>
+        </p:spPr>
+        <p:txBody>
+          <a:bodyPr wrap="none" rtlCol="0">
+            <a:spAutoFit/>
+          </a:bodyPr>
+          <a:lstStyle/>
+          <a:p>
+            <a:r>
+              <a:rPr lang="en-US" b="1" dirty="0" smtClean="0">
+                <a:solidFill>
+                  <a:srgbClr val="FF0000"/>
+                </a:solidFill>
+              </a:rPr>
+              <a:t>min</a:t>
+            </a:r>
+            <a:endParaRPr lang="en-US" b="1" dirty="0">
+              <a:solidFill>
+                <a:srgbClr val="FF0000"/>
+              </a:solidFill>
+            </a:endParaRPr>
+          </a:p>
+        </p:txBody>
+      </p:sp>
       <p:cxnSp>
         <p:nvCxnSpPr>
-          <p:cNvPr id="5" name="Straight Arrow Connector 4"/>
-          <p:cNvCxnSpPr/>
+          <p:cNvPr id="55" name="Straight Arrow Connector 54"/>
+          <p:cNvCxnSpPr>
+            <a:stCxn id="35" idx="1"/>
+            <a:endCxn id="43" idx="6"/>
+          </p:cNvCxnSpPr>
           <p:nvPr/>
         </p:nvCxnSpPr>
         <p:spPr>
-          <a:xfrm flipV="1">
-            <a:off x="6045199" y="321735"/>
-            <a:ext cx="0" cy="5977465"/>
+          <a:xfrm flipH="1">
+            <a:off x="3866376" y="3183468"/>
+            <a:ext cx="671759" cy="4229"/>
           </a:xfrm>
           <a:prstGeom prst="straightConnector1">
             <a:avLst/>
           </a:prstGeom>
-          <a:ln w="50800">
-            <a:headEnd type="triangle"/>
+          <a:ln w="31750">
+            <a:prstDash val="solid"/>
             <a:tailEnd type="triangle"/>
           </a:ln>
         </p:spPr>
@@ -5152,22 +6396,74 @@
           </a:fontRef>
         </p:style>
       </p:cxnSp>
+      <p:sp>
+        <p:nvSpPr>
+          <p:cNvPr id="56" name="Oval 55"/>
+          <p:cNvSpPr/>
+          <p:nvPr/>
+        </p:nvSpPr>
+        <p:spPr>
+          <a:xfrm>
+            <a:off x="10800568" y="3428994"/>
+            <a:ext cx="228600" cy="228600"/>
+          </a:xfrm>
+          <a:prstGeom prst="ellipse">
+            <a:avLst/>
+          </a:prstGeom>
+          <a:solidFill>
+            <a:srgbClr val="FF0000"/>
+          </a:solidFill>
+          <a:ln>
+            <a:solidFill>
+              <a:srgbClr val="FF0000"/>
+            </a:solidFill>
+          </a:ln>
+        </p:spPr>
+        <p:style>
+          <a:lnRef idx="2">
+            <a:schemeClr val="accent1">
+              <a:shade val="50000"/>
+            </a:schemeClr>
+          </a:lnRef>
+          <a:fillRef idx="1">
+            <a:schemeClr val="accent1"/>
+          </a:fillRef>
+          <a:effectRef idx="0">
+            <a:schemeClr val="accent1"/>
+          </a:effectRef>
+          <a:fontRef idx="minor">
+            <a:schemeClr val="lt1"/>
+          </a:fontRef>
+        </p:style>
+        <p:txBody>
+          <a:bodyPr rtlCol="0" anchor="ctr"/>
+          <a:lstStyle/>
+          <a:p>
+            <a:pPr algn="ctr"/>
+            <a:endParaRPr lang="en-US">
+              <a:solidFill>
+                <a:srgbClr val="FF0000"/>
+              </a:solidFill>
+            </a:endParaRPr>
+          </a:p>
+        </p:txBody>
+      </p:sp>
       <p:cxnSp>
         <p:nvCxnSpPr>
-          <p:cNvPr id="9" name="Straight Arrow Connector 8"/>
+          <p:cNvPr id="57" name="Straight Arrow Connector 56"/>
           <p:cNvCxnSpPr/>
           <p:nvPr/>
         </p:nvCxnSpPr>
         <p:spPr>
           <a:xfrm flipV="1">
-            <a:off x="609600" y="3437467"/>
-            <a:ext cx="10600267" cy="50799"/>
+            <a:off x="10196751" y="3556000"/>
+            <a:ext cx="603817" cy="1"/>
           </a:xfrm>
           <a:prstGeom prst="straightConnector1">
             <a:avLst/>
           </a:prstGeom>
-          <a:ln w="50800">
-            <a:headEnd type="triangle"/>
+          <a:ln w="31750">
+            <a:prstDash val="solid"/>
             <a:tailEnd type="triangle"/>
           </a:ln>
         </p:spPr>
@@ -5186,10 +6482,160 @@
           </a:fontRef>
         </p:style>
       </p:cxnSp>
+      <p:sp>
+        <p:nvSpPr>
+          <p:cNvPr id="59" name="TextBox 58"/>
+          <p:cNvSpPr txBox="1"/>
+          <p:nvPr/>
+        </p:nvSpPr>
+        <p:spPr>
+          <a:xfrm>
+            <a:off x="4030136" y="2840567"/>
+            <a:ext cx="301686" cy="369332"/>
+          </a:xfrm>
+          <a:prstGeom prst="rect">
+            <a:avLst/>
+          </a:prstGeom>
+          <a:noFill/>
+        </p:spPr>
+        <p:txBody>
+          <a:bodyPr wrap="none" rtlCol="0">
+            <a:spAutoFit/>
+          </a:bodyPr>
+          <a:lstStyle/>
+          <a:p>
+            <a:r>
+              <a:rPr lang="en-US" b="1" dirty="0" smtClean="0"/>
+              <a:t>1</a:t>
+            </a:r>
+            <a:endParaRPr lang="en-US" b="1" dirty="0"/>
+          </a:p>
+        </p:txBody>
+      </p:sp>
+      <p:sp>
+        <p:nvSpPr>
+          <p:cNvPr id="60" name="TextBox 59"/>
+          <p:cNvSpPr txBox="1"/>
+          <p:nvPr/>
+        </p:nvSpPr>
+        <p:spPr>
+          <a:xfrm>
+            <a:off x="10346264" y="3196166"/>
+            <a:ext cx="301686" cy="369332"/>
+          </a:xfrm>
+          <a:prstGeom prst="rect">
+            <a:avLst/>
+          </a:prstGeom>
+          <a:noFill/>
+        </p:spPr>
+        <p:txBody>
+          <a:bodyPr wrap="none" rtlCol="0">
+            <a:spAutoFit/>
+          </a:bodyPr>
+          <a:lstStyle/>
+          <a:p>
+            <a:r>
+              <a:rPr lang="en-US" b="1" dirty="0" smtClean="0"/>
+              <a:t>1</a:t>
+            </a:r>
+            <a:endParaRPr lang="en-US" b="1" dirty="0"/>
+          </a:p>
+        </p:txBody>
+      </p:sp>
+      <p:sp>
+        <p:nvSpPr>
+          <p:cNvPr id="61" name="TextBox 60"/>
+          <p:cNvSpPr txBox="1"/>
+          <p:nvPr/>
+        </p:nvSpPr>
+        <p:spPr>
+          <a:xfrm>
+            <a:off x="1202268" y="4449236"/>
+            <a:ext cx="442750" cy="369332"/>
+          </a:xfrm>
+          <a:prstGeom prst="rect">
+            <a:avLst/>
+          </a:prstGeom>
+          <a:noFill/>
+        </p:spPr>
+        <p:txBody>
+          <a:bodyPr wrap="none" rtlCol="0">
+            <a:spAutoFit/>
+          </a:bodyPr>
+          <a:lstStyle/>
+          <a:p>
+            <a:r>
+              <a:rPr lang="en-US" b="1" dirty="0" smtClean="0"/>
+              <a:t>(a)</a:t>
+            </a:r>
+            <a:endParaRPr lang="en-US" b="1" dirty="0"/>
+          </a:p>
+        </p:txBody>
+      </p:sp>
+      <p:sp>
+        <p:nvSpPr>
+          <p:cNvPr id="62" name="TextBox 61"/>
+          <p:cNvSpPr txBox="1"/>
+          <p:nvPr/>
+        </p:nvSpPr>
+        <p:spPr>
+          <a:xfrm>
+            <a:off x="8908576" y="4445005"/>
+            <a:ext cx="425116" cy="369332"/>
+          </a:xfrm>
+          <a:prstGeom prst="rect">
+            <a:avLst/>
+          </a:prstGeom>
+          <a:noFill/>
+        </p:spPr>
+        <p:txBody>
+          <a:bodyPr wrap="none" rtlCol="0">
+            <a:spAutoFit/>
+          </a:bodyPr>
+          <a:lstStyle/>
+          <a:p>
+            <a:r>
+              <a:rPr lang="en-US" b="1" smtClean="0"/>
+              <a:t>(c)</a:t>
+            </a:r>
+            <a:endParaRPr lang="en-US" b="1" dirty="0"/>
+          </a:p>
+        </p:txBody>
+      </p:sp>
+      <p:sp>
+        <p:nvSpPr>
+          <p:cNvPr id="63" name="TextBox 62"/>
+          <p:cNvSpPr txBox="1"/>
+          <p:nvPr/>
+        </p:nvSpPr>
+        <p:spPr>
+          <a:xfrm>
+            <a:off x="5383559" y="4445005"/>
+            <a:ext cx="452368" cy="369332"/>
+          </a:xfrm>
+          <a:prstGeom prst="rect">
+            <a:avLst/>
+          </a:prstGeom>
+          <a:noFill/>
+        </p:spPr>
+        <p:txBody>
+          <a:bodyPr wrap="none" rtlCol="0">
+            <a:spAutoFit/>
+          </a:bodyPr>
+          <a:lstStyle/>
+          <a:p>
+            <a:r>
+              <a:rPr lang="en-US" b="1" dirty="0" smtClean="0"/>
+              <a:t>(b)</a:t>
+            </a:r>
+            <a:endParaRPr lang="en-US" b="1" dirty="0"/>
+          </a:p>
+        </p:txBody>
+      </p:sp>
     </p:spTree>
     <p:extLst>
       <p:ext uri="{BB962C8B-B14F-4D97-AF65-F5344CB8AC3E}">
-        <p14:creationId xmlns:p14="http://schemas.microsoft.com/office/powerpoint/2010/main" val="1475892081"/>
+        <p14:creationId xmlns:p14="http://schemas.microsoft.com/office/powerpoint/2010/main" val="307703212"/>
       </p:ext>
     </p:extLst>
   </p:cSld>
